--- a/_posts/the-pitfalls-of-continuous-integration-and-deployment-article/images/images.pptx
+++ b/_posts/the-pitfalls-of-continuous-integration-and-deployment-article/images/images.pptx
@@ -209,7 +209,7 @@
           <a:p>
             <a:fld id="{62924530-CF84-1B40-843A-DCBB2D2C09C6}" type="datetimeFigureOut">
               <a:rPr lang="en-US" smtClean="0"/>
-              <a:t>11/12/16</a:t>
+              <a:t>1/28/17</a:t>
             </a:fld>
             <a:endParaRPr lang="en-US" dirty="0"/>
           </a:p>
@@ -658,7 +658,7 @@
           <a:p>
             <a:fld id="{32612CC4-9DB0-CC43-B1FC-8D75BA765907}" type="datetimeFigureOut">
               <a:rPr lang="en-US" smtClean="0"/>
-              <a:t>11/12/16</a:t>
+              <a:t>1/28/17</a:t>
             </a:fld>
             <a:endParaRPr lang="en-US" dirty="0"/>
           </a:p>
@@ -828,7 +828,7 @@
           <a:p>
             <a:fld id="{32612CC4-9DB0-CC43-B1FC-8D75BA765907}" type="datetimeFigureOut">
               <a:rPr lang="en-US" smtClean="0"/>
-              <a:t>11/12/16</a:t>
+              <a:t>1/28/17</a:t>
             </a:fld>
             <a:endParaRPr lang="en-US" dirty="0"/>
           </a:p>
@@ -1008,7 +1008,7 @@
           <a:p>
             <a:fld id="{32612CC4-9DB0-CC43-B1FC-8D75BA765907}" type="datetimeFigureOut">
               <a:rPr lang="en-US" smtClean="0"/>
-              <a:t>11/12/16</a:t>
+              <a:t>1/28/17</a:t>
             </a:fld>
             <a:endParaRPr lang="en-US" dirty="0"/>
           </a:p>
@@ -1178,7 +1178,7 @@
           <a:p>
             <a:fld id="{32612CC4-9DB0-CC43-B1FC-8D75BA765907}" type="datetimeFigureOut">
               <a:rPr lang="en-US" smtClean="0"/>
-              <a:t>11/12/16</a:t>
+              <a:t>1/28/17</a:t>
             </a:fld>
             <a:endParaRPr lang="en-US" dirty="0"/>
           </a:p>
@@ -1424,7 +1424,7 @@
           <a:p>
             <a:fld id="{32612CC4-9DB0-CC43-B1FC-8D75BA765907}" type="datetimeFigureOut">
               <a:rPr lang="en-US" smtClean="0"/>
-              <a:t>11/12/16</a:t>
+              <a:t>1/28/17</a:t>
             </a:fld>
             <a:endParaRPr lang="en-US" dirty="0"/>
           </a:p>
@@ -1712,7 +1712,7 @@
           <a:p>
             <a:fld id="{32612CC4-9DB0-CC43-B1FC-8D75BA765907}" type="datetimeFigureOut">
               <a:rPr lang="en-US" smtClean="0"/>
-              <a:t>11/12/16</a:t>
+              <a:t>1/28/17</a:t>
             </a:fld>
             <a:endParaRPr lang="en-US" dirty="0"/>
           </a:p>
@@ -2134,7 +2134,7 @@
           <a:p>
             <a:fld id="{32612CC4-9DB0-CC43-B1FC-8D75BA765907}" type="datetimeFigureOut">
               <a:rPr lang="en-US" smtClean="0"/>
-              <a:t>11/12/16</a:t>
+              <a:t>1/28/17</a:t>
             </a:fld>
             <a:endParaRPr lang="en-US" dirty="0"/>
           </a:p>
@@ -2252,7 +2252,7 @@
           <a:p>
             <a:fld id="{32612CC4-9DB0-CC43-B1FC-8D75BA765907}" type="datetimeFigureOut">
               <a:rPr lang="en-US" smtClean="0"/>
-              <a:t>11/12/16</a:t>
+              <a:t>1/28/17</a:t>
             </a:fld>
             <a:endParaRPr lang="en-US" dirty="0"/>
           </a:p>
@@ -2347,7 +2347,7 @@
           <a:p>
             <a:fld id="{32612CC4-9DB0-CC43-B1FC-8D75BA765907}" type="datetimeFigureOut">
               <a:rPr lang="en-US" smtClean="0"/>
-              <a:t>11/12/16</a:t>
+              <a:t>1/28/17</a:t>
             </a:fld>
             <a:endParaRPr lang="en-US" dirty="0"/>
           </a:p>
@@ -2624,7 +2624,7 @@
           <a:p>
             <a:fld id="{32612CC4-9DB0-CC43-B1FC-8D75BA765907}" type="datetimeFigureOut">
               <a:rPr lang="en-US" smtClean="0"/>
-              <a:t>11/12/16</a:t>
+              <a:t>1/28/17</a:t>
             </a:fld>
             <a:endParaRPr lang="en-US" dirty="0"/>
           </a:p>
@@ -2877,7 +2877,7 @@
           <a:p>
             <a:fld id="{32612CC4-9DB0-CC43-B1FC-8D75BA765907}" type="datetimeFigureOut">
               <a:rPr lang="en-US" smtClean="0"/>
-              <a:t>11/12/16</a:t>
+              <a:t>1/28/17</a:t>
             </a:fld>
             <a:endParaRPr lang="en-US" dirty="0"/>
           </a:p>
@@ -3090,7 +3090,7 @@
           <a:p>
             <a:fld id="{32612CC4-9DB0-CC43-B1FC-8D75BA765907}" type="datetimeFigureOut">
               <a:rPr lang="en-US" smtClean="0"/>
-              <a:t>11/12/16</a:t>
+              <a:t>1/28/17</a:t>
             </a:fld>
             <a:endParaRPr lang="en-US" dirty="0"/>
           </a:p>
